--- a/ServiceStack.pptx
+++ b/ServiceStack.pptx
@@ -5,21 +5,23 @@
     <p:sldMasterId id="2147483648" r:id="rId1"/>
   </p:sldMasterIdLst>
   <p:notesMasterIdLst>
-    <p:notesMasterId r:id="rId14"/>
+    <p:notesMasterId r:id="rId16"/>
   </p:notesMasterIdLst>
   <p:sldIdLst>
     <p:sldId id="256" r:id="rId2"/>
     <p:sldId id="257" r:id="rId3"/>
     <p:sldId id="258" r:id="rId4"/>
-    <p:sldId id="259" r:id="rId5"/>
-    <p:sldId id="260" r:id="rId6"/>
-    <p:sldId id="261" r:id="rId7"/>
-    <p:sldId id="262" r:id="rId8"/>
-    <p:sldId id="263" r:id="rId9"/>
-    <p:sldId id="264" r:id="rId10"/>
-    <p:sldId id="265" r:id="rId11"/>
-    <p:sldId id="266" r:id="rId12"/>
-    <p:sldId id="267" r:id="rId13"/>
+    <p:sldId id="268" r:id="rId5"/>
+    <p:sldId id="269" r:id="rId6"/>
+    <p:sldId id="259" r:id="rId7"/>
+    <p:sldId id="260" r:id="rId8"/>
+    <p:sldId id="261" r:id="rId9"/>
+    <p:sldId id="262" r:id="rId10"/>
+    <p:sldId id="263" r:id="rId11"/>
+    <p:sldId id="264" r:id="rId12"/>
+    <p:sldId id="265" r:id="rId13"/>
+    <p:sldId id="266" r:id="rId14"/>
+    <p:sldId id="267" r:id="rId15"/>
   </p:sldIdLst>
   <p:sldSz cx="12192000" cy="6858000"/>
   <p:notesSz cx="6858000" cy="9144000"/>
@@ -219,7 +221,7 @@
           <a:p>
             <a:fld id="{11027351-9A36-41A2-82C4-CDB776BF7817}" type="datetimeFigureOut">
               <a:rPr lang="en-US" smtClean="0"/>
-              <a:t>8/28/2014</a:t>
+              <a:t>9/5/2014</a:t>
             </a:fld>
             <a:endParaRPr lang="en-US"/>
           </a:p>
@@ -1377,7 +1379,7 @@
           <a:p>
             <a:fld id="{8FD46540-DF6C-467A-92F1-2103E4EC3421}" type="datetime1">
               <a:rPr lang="en-US" smtClean="0"/>
-              <a:t>8/28/2014</a:t>
+              <a:t>9/5/2014</a:t>
             </a:fld>
             <a:endParaRPr lang="en-US" dirty="0"/>
           </a:p>
@@ -1628,7 +1630,7 @@
           <a:p>
             <a:fld id="{1D790236-8D85-4A79-B578-3444989E55FA}" type="datetime1">
               <a:rPr lang="en-US" smtClean="0"/>
-              <a:t>8/28/2014</a:t>
+              <a:t>9/5/2014</a:t>
             </a:fld>
             <a:endParaRPr lang="en-US" dirty="0"/>
           </a:p>
@@ -1942,7 +1944,7 @@
           <a:p>
             <a:fld id="{F851B011-5604-4EA9-962E-C005F5F2D4C0}" type="datetime1">
               <a:rPr lang="en-US" smtClean="0"/>
-              <a:t>8/28/2014</a:t>
+              <a:t>9/5/2014</a:t>
             </a:fld>
             <a:endParaRPr lang="en-US" dirty="0"/>
           </a:p>
@@ -2283,7 +2285,7 @@
           <a:p>
             <a:fld id="{C7AFEBDD-17E4-46FD-A416-DB6ED86F7856}" type="datetime1">
               <a:rPr lang="en-US" smtClean="0"/>
-              <a:t>8/28/2014</a:t>
+              <a:t>9/5/2014</a:t>
             </a:fld>
             <a:endParaRPr lang="en-US" dirty="0"/>
           </a:p>
@@ -2597,7 +2599,7 @@
           <a:p>
             <a:fld id="{FBF92404-F217-4BB0-8F22-5F2B835093EA}" type="datetime1">
               <a:rPr lang="en-US" smtClean="0"/>
-              <a:t>8/28/2014</a:t>
+              <a:t>9/5/2014</a:t>
             </a:fld>
             <a:endParaRPr lang="en-US" dirty="0"/>
           </a:p>
@@ -2990,7 +2992,7 @@
           <a:p>
             <a:fld id="{0E204220-5B13-4D92-93B3-6088EE8E6435}" type="datetime1">
               <a:rPr lang="en-US" smtClean="0"/>
-              <a:t>8/28/2014</a:t>
+              <a:t>9/5/2014</a:t>
             </a:fld>
             <a:endParaRPr lang="en-US" dirty="0"/>
           </a:p>
@@ -3160,7 +3162,7 @@
           <a:p>
             <a:fld id="{8B10BD85-06A6-423C-9CC3-73B213271E29}" type="datetime1">
               <a:rPr lang="en-US" smtClean="0"/>
-              <a:t>8/28/2014</a:t>
+              <a:t>9/5/2014</a:t>
             </a:fld>
             <a:endParaRPr lang="en-US" dirty="0"/>
           </a:p>
@@ -3339,7 +3341,7 @@
           <a:p>
             <a:fld id="{7E8443A6-77B8-4AD0-A55A-85D5FB018C1B}" type="datetime1">
               <a:rPr lang="en-US" smtClean="0"/>
-              <a:t>8/28/2014</a:t>
+              <a:t>9/5/2014</a:t>
             </a:fld>
             <a:endParaRPr lang="en-US" dirty="0"/>
           </a:p>
@@ -3515,7 +3517,7 @@
           <a:p>
             <a:fld id="{DE9E3396-46F6-4532-8E50-2182C9868B43}" type="datetime1">
               <a:rPr lang="en-US" smtClean="0"/>
-              <a:t>8/28/2014</a:t>
+              <a:t>9/5/2014</a:t>
             </a:fld>
             <a:endParaRPr lang="en-US" dirty="0"/>
           </a:p>
@@ -3762,7 +3764,7 @@
           <a:p>
             <a:fld id="{795A3B23-3BA1-4313-8EB2-DC64F108B2E1}" type="datetime1">
               <a:rPr lang="en-US" smtClean="0"/>
-              <a:t>8/28/2014</a:t>
+              <a:t>9/5/2014</a:t>
             </a:fld>
             <a:endParaRPr lang="en-US" dirty="0"/>
           </a:p>
@@ -3994,7 +3996,7 @@
           <a:p>
             <a:fld id="{E556D095-ACB4-4AFB-BFA1-330F0538711F}" type="datetime1">
               <a:rPr lang="en-US" smtClean="0"/>
-              <a:t>8/28/2014</a:t>
+              <a:t>9/5/2014</a:t>
             </a:fld>
             <a:endParaRPr lang="en-US" dirty="0"/>
           </a:p>
@@ -4367,7 +4369,7 @@
           <a:p>
             <a:fld id="{8AA436BD-6633-42DD-9B69-E06A5FD5EEE6}" type="datetime1">
               <a:rPr lang="en-US" smtClean="0"/>
-              <a:t>8/28/2014</a:t>
+              <a:t>9/5/2014</a:t>
             </a:fld>
             <a:endParaRPr lang="en-US" dirty="0"/>
           </a:p>
@@ -4490,7 +4492,7 @@
           <a:p>
             <a:fld id="{F873D499-FE67-4B5D-BD87-2296FA2D587E}" type="datetime1">
               <a:rPr lang="en-US" smtClean="0"/>
-              <a:t>8/28/2014</a:t>
+              <a:t>9/5/2014</a:t>
             </a:fld>
             <a:endParaRPr lang="en-US" dirty="0"/>
           </a:p>
@@ -4585,7 +4587,7 @@
           <a:p>
             <a:fld id="{59D9041C-40BB-4529-8CF0-4BF346E3F004}" type="datetime1">
               <a:rPr lang="en-US" smtClean="0"/>
-              <a:t>8/28/2014</a:t>
+              <a:t>9/5/2014</a:t>
             </a:fld>
             <a:endParaRPr lang="en-US" dirty="0"/>
           </a:p>
@@ -4840,7 +4842,7 @@
           <a:p>
             <a:fld id="{C473BAF5-F3BA-4E96-95E9-9DF5940F24C6}" type="datetime1">
               <a:rPr lang="en-US" smtClean="0"/>
-              <a:t>8/28/2014</a:t>
+              <a:t>9/5/2014</a:t>
             </a:fld>
             <a:endParaRPr lang="en-US" dirty="0"/>
           </a:p>
@@ -5102,7 +5104,7 @@
           <a:p>
             <a:fld id="{4DEF964A-0283-45DB-9658-FE22D320EC4C}" type="datetime1">
               <a:rPr lang="en-US" smtClean="0"/>
-              <a:t>8/28/2014</a:t>
+              <a:t>9/5/2014</a:t>
             </a:fld>
             <a:endParaRPr lang="en-US" dirty="0"/>
           </a:p>
@@ -5845,7 +5847,7 @@
           <a:p>
             <a:fld id="{5EE65D17-BFF8-4352-B156-07A010A55AD7}" type="datetime1">
               <a:rPr lang="en-US" smtClean="0"/>
-              <a:t>8/28/2014</a:t>
+              <a:t>9/5/2014</a:t>
             </a:fld>
             <a:endParaRPr lang="en-US" dirty="0"/>
           </a:p>
@@ -6528,7 +6530,11 @@
           <a:p>
             <a:r>
               <a:rPr lang="en-US" dirty="0" smtClean="0"/>
-              <a:t>Cross platform - Run in .NET and MONO</a:t>
+              <a:t>“No” </a:t>
+            </a:r>
+            <a:r>
+              <a:rPr lang="en-US" dirty="0" err="1" smtClean="0"/>
+              <a:t>Config</a:t>
             </a:r>
             <a:endParaRPr lang="en-US" dirty="0"/>
           </a:p>
@@ -6546,167 +6552,48 @@
         </p:nvSpPr>
         <p:spPr>
           <a:xfrm>
-            <a:off x="677334" y="1425389"/>
-            <a:ext cx="8596668" cy="4615974"/>
+            <a:off x="677334" y="1452283"/>
+            <a:ext cx="8596668" cy="4589080"/>
           </a:xfrm>
         </p:spPr>
         <p:txBody>
-          <a:bodyPr>
-            <a:normAutofit/>
-          </a:bodyPr>
-          <a:lstStyle/>
-          <a:p>
-            <a:pPr marL="0" indent="0">
-              <a:buNone/>
-            </a:pPr>
-            <a:r>
-              <a:rPr lang="en-US" dirty="0"/>
-              <a:t>Supports both ASP.NET and </a:t>
-            </a:r>
-            <a:r>
-              <a:rPr lang="en-US" dirty="0" err="1"/>
-              <a:t>HttpListener</a:t>
-            </a:r>
-            <a:r>
-              <a:rPr lang="en-US" dirty="0"/>
-              <a:t> hosts:</a:t>
-            </a:r>
-          </a:p>
-          <a:p>
-            <a:r>
-              <a:rPr lang="en-US" dirty="0"/>
-              <a:t>Runs on Windows with .NET </a:t>
-            </a:r>
+          <a:bodyPr/>
+          <a:lstStyle/>
+          <a:p>
             <a:r>
               <a:rPr lang="en-US" dirty="0" smtClean="0"/>
-              <a:t>3.5, 4.0, 4.5</a:t>
-            </a:r>
-            <a:endParaRPr lang="en-US" dirty="0"/>
+              <a:t>Very little </a:t>
+            </a:r>
+            <a:r>
+              <a:rPr lang="en-US" dirty="0" err="1" smtClean="0"/>
+              <a:t>web.config</a:t>
+            </a:r>
+            <a:r>
+              <a:rPr lang="en-US" dirty="0" smtClean="0"/>
+              <a:t> work required with acceptable defaults</a:t>
+            </a:r>
           </a:p>
           <a:p>
             <a:pPr lvl="1"/>
             <a:r>
-              <a:rPr lang="en-US" dirty="0"/>
-              <a:t>IIS </a:t>
-            </a:r>
-            <a:r>
               <a:rPr lang="en-US" dirty="0" smtClean="0"/>
-              <a:t>6/7+ </a:t>
-            </a:r>
-            <a:r>
-              <a:rPr lang="en-US" dirty="0"/>
-              <a:t>(uses </a:t>
-            </a:r>
-            <a:r>
-              <a:rPr lang="en-US" dirty="0" err="1"/>
-              <a:t>IHttpHandler</a:t>
-            </a:r>
-            <a:r>
-              <a:rPr lang="en-US" dirty="0"/>
-              <a:t>)</a:t>
+              <a:t>Connection strings</a:t>
             </a:r>
           </a:p>
           <a:p>
             <a:pPr lvl="1"/>
             <a:r>
-              <a:rPr lang="en-US" dirty="0"/>
-              <a:t>VS.NET </a:t>
-            </a:r>
-            <a:r>
-              <a:rPr lang="en-US" dirty="0" err="1"/>
-              <a:t>WebDev</a:t>
-            </a:r>
-            <a:r>
-              <a:rPr lang="en-US" dirty="0"/>
-              <a:t> server</a:t>
-            </a:r>
-          </a:p>
-          <a:p>
-            <a:pPr lvl="1"/>
-            <a:r>
-              <a:rPr lang="en-US" dirty="0"/>
-              <a:t>Console App or Windows GUI</a:t>
-            </a:r>
-          </a:p>
-          <a:p>
-            <a:pPr lvl="1"/>
-            <a:r>
-              <a:rPr lang="en-US" dirty="0"/>
-              <a:t>Windows Service</a:t>
-            </a:r>
-          </a:p>
-          <a:p>
-            <a:r>
-              <a:rPr lang="en-US" dirty="0"/>
-              <a:t> Linux/OSX with MONO</a:t>
-            </a:r>
-          </a:p>
-          <a:p>
-            <a:pPr lvl="1"/>
-            <a:r>
-              <a:rPr lang="en-US" dirty="0"/>
-              <a:t>Apache + </a:t>
-            </a:r>
-            <a:r>
-              <a:rPr lang="en-US" dirty="0" err="1"/>
-              <a:t>mod_mono</a:t>
-            </a:r>
-            <a:endParaRPr lang="en-US" dirty="0"/>
-          </a:p>
-          <a:p>
-            <a:pPr lvl="1"/>
-            <a:r>
-              <a:rPr lang="en-US" dirty="0" err="1"/>
-              <a:t>Nginx</a:t>
-            </a:r>
-            <a:r>
-              <a:rPr lang="en-US" dirty="0"/>
-              <a:t> + </a:t>
-            </a:r>
-            <a:r>
-              <a:rPr lang="en-US" dirty="0" err="1"/>
-              <a:t>MonoFastCGI</a:t>
-            </a:r>
-            <a:endParaRPr lang="en-US" dirty="0"/>
-          </a:p>
-          <a:p>
-            <a:pPr lvl="1"/>
-            <a:r>
-              <a:rPr lang="en-US" dirty="0"/>
-              <a:t>XSP</a:t>
-            </a:r>
-          </a:p>
-          <a:p>
-            <a:pPr lvl="1"/>
-            <a:r>
               <a:rPr lang="en-US" dirty="0" smtClean="0"/>
-              <a:t>Console </a:t>
-            </a:r>
-            <a:r>
-              <a:rPr lang="en-US" dirty="0"/>
-              <a:t>App</a:t>
-            </a:r>
-          </a:p>
-          <a:p>
-            <a:pPr lvl="1"/>
-            <a:r>
-              <a:rPr lang="en-US" dirty="0" err="1"/>
-              <a:t>Haz</a:t>
-            </a:r>
-            <a:r>
-              <a:rPr lang="en-US" dirty="0"/>
-              <a:t> demo running inside iOS with </a:t>
-            </a:r>
-            <a:r>
-              <a:rPr lang="en-US" dirty="0" err="1"/>
-              <a:t>MonoTouch</a:t>
-            </a:r>
-            <a:r>
-              <a:rPr lang="en-US" dirty="0"/>
-              <a:t> :)</a:t>
-            </a:r>
-          </a:p>
-          <a:p>
+              <a:t>Additional 3</a:t>
+            </a:r>
+            <a:r>
+              <a:rPr lang="en-US" baseline="30000" dirty="0" smtClean="0"/>
+              <a:t>rd</a:t>
+            </a:r>
+            <a:r>
+              <a:rPr lang="en-US" dirty="0" smtClean="0"/>
+              <a:t> party library configuration</a:t>
+            </a:r>
             <a:endParaRPr lang="en-US" dirty="0"/>
           </a:p>
         </p:txBody>
@@ -6737,7 +6624,7 @@
     </p:spTree>
     <p:extLst>
       <p:ext uri="{BB962C8B-B14F-4D97-AF65-F5344CB8AC3E}">
-        <p14:creationId xmlns:p14="http://schemas.microsoft.com/office/powerpoint/2010/main" val="3359728731"/>
+        <p14:creationId xmlns:p14="http://schemas.microsoft.com/office/powerpoint/2010/main" val="2381407209"/>
       </p:ext>
     </p:extLst>
   </p:cSld>
@@ -6778,6 +6665,446 @@
             <a:spLocks noGrp="1"/>
           </p:cNvSpPr>
           <p:nvPr>
+            <p:ph type="title"/>
+          </p:nvPr>
+        </p:nvSpPr>
+        <p:spPr/>
+        <p:txBody>
+          <a:bodyPr/>
+          <a:lstStyle/>
+          <a:p>
+            <a:r>
+              <a:rPr lang="en-US" dirty="0" smtClean="0"/>
+              <a:t>Smart - Infers from service metadata</a:t>
+            </a:r>
+            <a:endParaRPr lang="en-US" dirty="0"/>
+          </a:p>
+        </p:txBody>
+      </p:sp>
+      <p:sp>
+        <p:nvSpPr>
+          <p:cNvPr id="3" name="Content Placeholder 2"/>
+          <p:cNvSpPr>
+            <a:spLocks noGrp="1"/>
+          </p:cNvSpPr>
+          <p:nvPr>
+            <p:ph idx="1"/>
+          </p:nvPr>
+        </p:nvSpPr>
+        <p:spPr>
+          <a:xfrm>
+            <a:off x="677334" y="1425389"/>
+            <a:ext cx="8596668" cy="4615974"/>
+          </a:xfrm>
+        </p:spPr>
+        <p:txBody>
+          <a:bodyPr/>
+          <a:lstStyle/>
+          <a:p>
+            <a:r>
+              <a:rPr lang="en-US" dirty="0"/>
+              <a:t>Serializes C# Exceptions into your Response DTO</a:t>
+            </a:r>
+          </a:p>
+          <a:p>
+            <a:r>
+              <a:rPr lang="en-US" dirty="0"/>
+              <a:t>Auto-generated web services metadata </a:t>
+            </a:r>
+            <a:r>
+              <a:rPr lang="en-US" dirty="0" err="1"/>
+              <a:t>api</a:t>
+            </a:r>
+            <a:r>
+              <a:rPr lang="en-US" dirty="0"/>
+              <a:t> page</a:t>
+            </a:r>
+          </a:p>
+          <a:p>
+            <a:pPr lvl="1"/>
+            <a:r>
+              <a:rPr lang="en-US" dirty="0"/>
+              <a:t>Links to XSDs and WSDLs</a:t>
+            </a:r>
+          </a:p>
+          <a:p>
+            <a:r>
+              <a:rPr lang="en-US" dirty="0"/>
+              <a:t>Auto HTML5 JSON Report format</a:t>
+            </a:r>
+          </a:p>
+          <a:p>
+            <a:pPr lvl="1"/>
+            <a:r>
+              <a:rPr lang="en-US" dirty="0"/>
+              <a:t>Quickly visualize web service data at a glance</a:t>
+            </a:r>
+          </a:p>
+          <a:p>
+            <a:pPr lvl="1"/>
+            <a:r>
+              <a:rPr lang="en-US" dirty="0"/>
+              <a:t>Generates a self-contained snapshot of web service data in a human-friendly and </a:t>
+            </a:r>
+            <a:r>
+              <a:rPr lang="en-US" dirty="0" smtClean="0"/>
+              <a:t>programmatically </a:t>
+            </a:r>
+            <a:r>
+              <a:rPr lang="en-US" dirty="0"/>
+              <a:t>accessible document</a:t>
+            </a:r>
+          </a:p>
+          <a:p>
+            <a:r>
+              <a:rPr lang="en-US" dirty="0"/>
+              <a:t>Auto CSV format </a:t>
+            </a:r>
+          </a:p>
+          <a:p>
+            <a:pPr lvl="1"/>
+            <a:r>
+              <a:rPr lang="en-US" dirty="0"/>
+              <a:t>Picks best candidate property to serialize into CSV </a:t>
+            </a:r>
+            <a:r>
+              <a:rPr lang="en-US" dirty="0" err="1"/>
+              <a:t>resultset</a:t>
+            </a:r>
+            <a:endParaRPr lang="en-US" dirty="0"/>
+          </a:p>
+          <a:p>
+            <a:endParaRPr lang="en-US" dirty="0"/>
+          </a:p>
+        </p:txBody>
+      </p:sp>
+      <p:sp>
+        <p:nvSpPr>
+          <p:cNvPr id="4" name="Footer Placeholder 3"/>
+          <p:cNvSpPr>
+            <a:spLocks noGrp="1"/>
+          </p:cNvSpPr>
+          <p:nvPr>
+            <p:ph type="ftr" sz="quarter" idx="11"/>
+          </p:nvPr>
+        </p:nvSpPr>
+        <p:spPr/>
+        <p:txBody>
+          <a:bodyPr/>
+          <a:lstStyle/>
+          <a:p>
+            <a:r>
+              <a:rPr lang="en-US" smtClean="0"/>
+              <a:t>Source:  https://docs.google.com/presentation/d/16ey0MrpHOSz5N5sjctAliOgYWO3ZYeJe070fLZlPdrE/present#slide=id.i0</a:t>
+            </a:r>
+            <a:endParaRPr lang="en-US" dirty="0"/>
+          </a:p>
+        </p:txBody>
+      </p:sp>
+    </p:spTree>
+    <p:extLst>
+      <p:ext uri="{BB962C8B-B14F-4D97-AF65-F5344CB8AC3E}">
+        <p14:creationId xmlns:p14="http://schemas.microsoft.com/office/powerpoint/2010/main" val="3586797453"/>
+      </p:ext>
+    </p:extLst>
+  </p:cSld>
+  <p:clrMapOvr>
+    <a:masterClrMapping/>
+  </p:clrMapOvr>
+  <p:timing>
+    <p:tnLst>
+      <p:par>
+        <p:cTn id="1" dur="indefinite" restart="never" nodeType="tmRoot"/>
+      </p:par>
+    </p:tnLst>
+  </p:timing>
+</p:sld>
+</file>
+
+<file path=ppt/slides/slide12.xml><?xml version="1.0" encoding="utf-8"?>
+<p:sld xmlns:a="http://schemas.openxmlformats.org/drawingml/2006/main" xmlns:r="http://schemas.openxmlformats.org/officeDocument/2006/relationships" xmlns:p="http://schemas.openxmlformats.org/presentationml/2006/main">
+  <p:cSld>
+    <p:spTree>
+      <p:nvGrpSpPr>
+        <p:cNvPr id="1" name=""/>
+        <p:cNvGrpSpPr/>
+        <p:nvPr/>
+      </p:nvGrpSpPr>
+      <p:grpSpPr>
+        <a:xfrm>
+          <a:off x="0" y="0"/>
+          <a:ext cx="0" cy="0"/>
+          <a:chOff x="0" y="0"/>
+          <a:chExt cx="0" cy="0"/>
+        </a:xfrm>
+      </p:grpSpPr>
+      <p:sp>
+        <p:nvSpPr>
+          <p:cNvPr id="2" name="Title 1"/>
+          <p:cNvSpPr>
+            <a:spLocks noGrp="1"/>
+          </p:cNvSpPr>
+          <p:nvPr>
+            <p:ph type="title"/>
+          </p:nvPr>
+        </p:nvSpPr>
+        <p:spPr/>
+        <p:txBody>
+          <a:bodyPr/>
+          <a:lstStyle/>
+          <a:p>
+            <a:r>
+              <a:rPr lang="en-US" dirty="0" smtClean="0"/>
+              <a:t>Cross platform - Run in .NET and MONO</a:t>
+            </a:r>
+            <a:endParaRPr lang="en-US" dirty="0"/>
+          </a:p>
+        </p:txBody>
+      </p:sp>
+      <p:sp>
+        <p:nvSpPr>
+          <p:cNvPr id="3" name="Content Placeholder 2"/>
+          <p:cNvSpPr>
+            <a:spLocks noGrp="1"/>
+          </p:cNvSpPr>
+          <p:nvPr>
+            <p:ph idx="1"/>
+          </p:nvPr>
+        </p:nvSpPr>
+        <p:spPr>
+          <a:xfrm>
+            <a:off x="677334" y="1425389"/>
+            <a:ext cx="8596668" cy="4615974"/>
+          </a:xfrm>
+        </p:spPr>
+        <p:txBody>
+          <a:bodyPr>
+            <a:normAutofit/>
+          </a:bodyPr>
+          <a:lstStyle/>
+          <a:p>
+            <a:pPr marL="0" indent="0">
+              <a:buNone/>
+            </a:pPr>
+            <a:r>
+              <a:rPr lang="en-US" dirty="0"/>
+              <a:t>Supports both ASP.NET and </a:t>
+            </a:r>
+            <a:r>
+              <a:rPr lang="en-US" dirty="0" err="1"/>
+              <a:t>HttpListener</a:t>
+            </a:r>
+            <a:r>
+              <a:rPr lang="en-US" dirty="0"/>
+              <a:t> hosts:</a:t>
+            </a:r>
+          </a:p>
+          <a:p>
+            <a:r>
+              <a:rPr lang="en-US" dirty="0"/>
+              <a:t>Runs on Windows with .NET </a:t>
+            </a:r>
+            <a:r>
+              <a:rPr lang="en-US" dirty="0" smtClean="0"/>
+              <a:t>3.5, 4.0, 4.5</a:t>
+            </a:r>
+            <a:endParaRPr lang="en-US" dirty="0"/>
+          </a:p>
+          <a:p>
+            <a:pPr lvl="1"/>
+            <a:r>
+              <a:rPr lang="en-US" dirty="0"/>
+              <a:t>IIS </a:t>
+            </a:r>
+            <a:r>
+              <a:rPr lang="en-US" dirty="0" smtClean="0"/>
+              <a:t>6/7+ </a:t>
+            </a:r>
+            <a:r>
+              <a:rPr lang="en-US" dirty="0"/>
+              <a:t>(uses </a:t>
+            </a:r>
+            <a:r>
+              <a:rPr lang="en-US" dirty="0" err="1"/>
+              <a:t>IHttpHandler</a:t>
+            </a:r>
+            <a:r>
+              <a:rPr lang="en-US" dirty="0"/>
+              <a:t>)</a:t>
+            </a:r>
+          </a:p>
+          <a:p>
+            <a:pPr lvl="1"/>
+            <a:r>
+              <a:rPr lang="en-US" dirty="0"/>
+              <a:t>VS.NET </a:t>
+            </a:r>
+            <a:r>
+              <a:rPr lang="en-US" dirty="0" err="1"/>
+              <a:t>WebDev</a:t>
+            </a:r>
+            <a:r>
+              <a:rPr lang="en-US" dirty="0"/>
+              <a:t> server</a:t>
+            </a:r>
+          </a:p>
+          <a:p>
+            <a:pPr lvl="1"/>
+            <a:r>
+              <a:rPr lang="en-US" dirty="0"/>
+              <a:t>Console App or Windows GUI</a:t>
+            </a:r>
+          </a:p>
+          <a:p>
+            <a:pPr lvl="1"/>
+            <a:r>
+              <a:rPr lang="en-US" dirty="0"/>
+              <a:t>Windows Service</a:t>
+            </a:r>
+          </a:p>
+          <a:p>
+            <a:r>
+              <a:rPr lang="en-US" dirty="0"/>
+              <a:t> Linux/OSX with MONO</a:t>
+            </a:r>
+          </a:p>
+          <a:p>
+            <a:pPr lvl="1"/>
+            <a:r>
+              <a:rPr lang="en-US" dirty="0"/>
+              <a:t>Apache + </a:t>
+            </a:r>
+            <a:r>
+              <a:rPr lang="en-US" dirty="0" err="1"/>
+              <a:t>mod_mono</a:t>
+            </a:r>
+            <a:endParaRPr lang="en-US" dirty="0"/>
+          </a:p>
+          <a:p>
+            <a:pPr lvl="1"/>
+            <a:r>
+              <a:rPr lang="en-US" dirty="0" err="1"/>
+              <a:t>Nginx</a:t>
+            </a:r>
+            <a:r>
+              <a:rPr lang="en-US" dirty="0"/>
+              <a:t> + </a:t>
+            </a:r>
+            <a:r>
+              <a:rPr lang="en-US" dirty="0" err="1"/>
+              <a:t>MonoFastCGI</a:t>
+            </a:r>
+            <a:endParaRPr lang="en-US" dirty="0"/>
+          </a:p>
+          <a:p>
+            <a:pPr lvl="1"/>
+            <a:r>
+              <a:rPr lang="en-US" dirty="0"/>
+              <a:t>XSP</a:t>
+            </a:r>
+          </a:p>
+          <a:p>
+            <a:pPr lvl="1"/>
+            <a:r>
+              <a:rPr lang="en-US" dirty="0" smtClean="0"/>
+              <a:t>Console </a:t>
+            </a:r>
+            <a:r>
+              <a:rPr lang="en-US" dirty="0"/>
+              <a:t>App</a:t>
+            </a:r>
+          </a:p>
+          <a:p>
+            <a:pPr lvl="1"/>
+            <a:r>
+              <a:rPr lang="en-US" dirty="0" err="1"/>
+              <a:t>Haz</a:t>
+            </a:r>
+            <a:r>
+              <a:rPr lang="en-US" dirty="0"/>
+              <a:t> demo running inside iOS with </a:t>
+            </a:r>
+            <a:r>
+              <a:rPr lang="en-US" dirty="0" err="1"/>
+              <a:t>MonoTouch</a:t>
+            </a:r>
+            <a:r>
+              <a:rPr lang="en-US" dirty="0"/>
+              <a:t> :)</a:t>
+            </a:r>
+          </a:p>
+          <a:p>
+            <a:endParaRPr lang="en-US" dirty="0"/>
+          </a:p>
+        </p:txBody>
+      </p:sp>
+      <p:sp>
+        <p:nvSpPr>
+          <p:cNvPr id="4" name="Footer Placeholder 3"/>
+          <p:cNvSpPr>
+            <a:spLocks noGrp="1"/>
+          </p:cNvSpPr>
+          <p:nvPr>
+            <p:ph type="ftr" sz="quarter" idx="11"/>
+          </p:nvPr>
+        </p:nvSpPr>
+        <p:spPr/>
+        <p:txBody>
+          <a:bodyPr/>
+          <a:lstStyle/>
+          <a:p>
+            <a:r>
+              <a:rPr lang="en-US" smtClean="0"/>
+              <a:t>Source:  https://docs.google.com/presentation/d/16ey0MrpHOSz5N5sjctAliOgYWO3ZYeJe070fLZlPdrE/present#slide=id.i0</a:t>
+            </a:r>
+            <a:endParaRPr lang="en-US" dirty="0"/>
+          </a:p>
+        </p:txBody>
+      </p:sp>
+    </p:spTree>
+    <p:extLst>
+      <p:ext uri="{BB962C8B-B14F-4D97-AF65-F5344CB8AC3E}">
+        <p14:creationId xmlns:p14="http://schemas.microsoft.com/office/powerpoint/2010/main" val="3359728731"/>
+      </p:ext>
+    </p:extLst>
+  </p:cSld>
+  <p:clrMapOvr>
+    <a:masterClrMapping/>
+  </p:clrMapOvr>
+  <p:timing>
+    <p:tnLst>
+      <p:par>
+        <p:cTn id="1" dur="indefinite" restart="never" nodeType="tmRoot"/>
+      </p:par>
+    </p:tnLst>
+  </p:timing>
+</p:sld>
+</file>
+
+<file path=ppt/slides/slide13.xml><?xml version="1.0" encoding="utf-8"?>
+<p:sld xmlns:a="http://schemas.openxmlformats.org/drawingml/2006/main" xmlns:r="http://schemas.openxmlformats.org/officeDocument/2006/relationships" xmlns:p="http://schemas.openxmlformats.org/presentationml/2006/main">
+  <p:cSld>
+    <p:spTree>
+      <p:nvGrpSpPr>
+        <p:cNvPr id="1" name=""/>
+        <p:cNvGrpSpPr/>
+        <p:nvPr/>
+      </p:nvGrpSpPr>
+      <p:grpSpPr>
+        <a:xfrm>
+          <a:off x="0" y="0"/>
+          <a:ext cx="0" cy="0"/>
+          <a:chOff x="0" y="0"/>
+          <a:chExt cx="0" cy="0"/>
+        </a:xfrm>
+      </p:grpSpPr>
+      <p:sp>
+        <p:nvSpPr>
+          <p:cNvPr id="2" name="Title 1"/>
+          <p:cNvSpPr>
+            <a:spLocks noGrp="1"/>
+          </p:cNvSpPr>
+          <p:nvPr>
             <p:ph type="ctrTitle"/>
           </p:nvPr>
         </p:nvSpPr>
@@ -6856,7 +7183,7 @@
 </p:sld>
 </file>
 
-<file path=ppt/slides/slide12.xml><?xml version="1.0" encoding="utf-8"?>
+<file path=ppt/slides/slide14.xml><?xml version="1.0" encoding="utf-8"?>
 <p:sld xmlns:a="http://schemas.openxmlformats.org/drawingml/2006/main" xmlns:r="http://schemas.openxmlformats.org/officeDocument/2006/relationships" xmlns:p="http://schemas.openxmlformats.org/presentationml/2006/main">
   <p:cSld>
     <p:spTree>
@@ -7280,203 +7607,151 @@
             <p:ph type="title"/>
           </p:nvPr>
         </p:nvSpPr>
+        <p:spPr/>
+        <p:txBody>
+          <a:bodyPr/>
+          <a:lstStyle/>
+          <a:p>
+            <a:r>
+              <a:rPr lang="en-US" dirty="0" smtClean="0"/>
+              <a:t>History</a:t>
+            </a:r>
+            <a:endParaRPr lang="en-US" dirty="0"/>
+          </a:p>
+        </p:txBody>
+      </p:sp>
+      <p:sp>
+        <p:nvSpPr>
+          <p:cNvPr id="3" name="Content Placeholder 2"/>
+          <p:cNvSpPr>
+            <a:spLocks noGrp="1"/>
+          </p:cNvSpPr>
+          <p:nvPr>
+            <p:ph idx="1"/>
+          </p:nvPr>
+        </p:nvSpPr>
+        <p:spPr/>
+        <p:txBody>
+          <a:bodyPr/>
+          <a:lstStyle/>
+          <a:p>
+            <a:r>
+              <a:rPr lang="en-US" dirty="0" smtClean="0"/>
+              <a:t>Invented and maintained by </a:t>
+            </a:r>
+            <a:r>
+              <a:rPr lang="en-US" dirty="0" err="1" smtClean="0"/>
+              <a:t>Demis</a:t>
+            </a:r>
+            <a:r>
+              <a:rPr lang="en-US" dirty="0" smtClean="0"/>
+              <a:t> </a:t>
+            </a:r>
+            <a:r>
+              <a:rPr lang="en-US" dirty="0" err="1" smtClean="0"/>
+              <a:t>Bellot</a:t>
+            </a:r>
+            <a:endParaRPr lang="en-US" dirty="0" smtClean="0"/>
+          </a:p>
+          <a:p>
+            <a:endParaRPr lang="en-US" dirty="0" smtClean="0"/>
+          </a:p>
+          <a:p>
+            <a:pPr lvl="1"/>
+            <a:r>
+              <a:rPr lang="en-US" dirty="0" smtClean="0"/>
+              <a:t>Started as open source, #2 </a:t>
+            </a:r>
+            <a:r>
+              <a:rPr lang="en-US" dirty="0" err="1" smtClean="0"/>
+              <a:t>github</a:t>
+            </a:r>
+            <a:r>
+              <a:rPr lang="en-US" dirty="0" smtClean="0"/>
+              <a:t> project in 2013</a:t>
+            </a:r>
+          </a:p>
+          <a:p>
+            <a:pPr lvl="1"/>
+            <a:endParaRPr lang="en-US" dirty="0"/>
+          </a:p>
+        </p:txBody>
+      </p:sp>
+      <p:sp>
+        <p:nvSpPr>
+          <p:cNvPr id="4" name="Footer Placeholder 3"/>
+          <p:cNvSpPr>
+            <a:spLocks noGrp="1"/>
+          </p:cNvSpPr>
+          <p:nvPr>
+            <p:ph type="ftr" sz="quarter" idx="11"/>
+          </p:nvPr>
+        </p:nvSpPr>
+        <p:spPr/>
+        <p:txBody>
+          <a:bodyPr/>
+          <a:lstStyle/>
+          <a:p>
+            <a:r>
+              <a:rPr lang="en-US" smtClean="0"/>
+              <a:t>Source:  https://docs.google.com/presentation/d/16ey0MrpHOSz5N5sjctAliOgYWO3ZYeJe070fLZlPdrE/present#slide=id.i0</a:t>
+            </a:r>
+            <a:endParaRPr lang="en-US" dirty="0"/>
+          </a:p>
+        </p:txBody>
+      </p:sp>
+      <p:pic>
+        <p:nvPicPr>
+          <p:cNvPr id="7" name="Picture 6"/>
+          <p:cNvPicPr>
+            <a:picLocks noChangeAspect="1"/>
+          </p:cNvPicPr>
+          <p:nvPr/>
+        </p:nvPicPr>
+        <p:blipFill>
+          <a:blip r:embed="rId2"/>
+          <a:stretch>
+            <a:fillRect/>
+          </a:stretch>
+        </p:blipFill>
         <p:spPr>
           <a:xfrm>
-            <a:off x="677334" y="609600"/>
-            <a:ext cx="8596668" cy="838201"/>
+            <a:off x="772854" y="3813758"/>
+            <a:ext cx="9059539" cy="2457793"/>
           </a:xfrm>
+          <a:prstGeom prst="rect">
+            <a:avLst/>
+          </a:prstGeom>
         </p:spPr>
-        <p:txBody>
-          <a:bodyPr/>
-          <a:lstStyle/>
-          <a:p>
-            <a:r>
-              <a:rPr lang="en-US" dirty="0" smtClean="0"/>
-              <a:t>Simple</a:t>
-            </a:r>
-            <a:endParaRPr lang="en-US" dirty="0"/>
-          </a:p>
-        </p:txBody>
-      </p:sp>
-      <p:sp>
-        <p:nvSpPr>
-          <p:cNvPr id="3" name="Content Placeholder 2"/>
-          <p:cNvSpPr>
-            <a:spLocks noGrp="1"/>
-          </p:cNvSpPr>
-          <p:nvPr>
-            <p:ph idx="1"/>
-          </p:nvPr>
-        </p:nvSpPr>
+      </p:pic>
+      <p:pic>
+        <p:nvPicPr>
+          <p:cNvPr id="8" name="Picture 7"/>
+          <p:cNvPicPr>
+            <a:picLocks noChangeAspect="1"/>
+          </p:cNvPicPr>
+          <p:nvPr/>
+        </p:nvPicPr>
+        <p:blipFill>
+          <a:blip r:embed="rId3"/>
+          <a:stretch>
+            <a:fillRect/>
+          </a:stretch>
+        </p:blipFill>
         <p:spPr>
           <a:xfrm>
-            <a:off x="677334" y="1447801"/>
-            <a:ext cx="8596668" cy="4593562"/>
+            <a:off x="6367992" y="609600"/>
+            <a:ext cx="4458322" cy="2467319"/>
           </a:xfrm>
+          <a:prstGeom prst="rect">
+            <a:avLst/>
+          </a:prstGeom>
         </p:spPr>
-        <p:txBody>
-          <a:bodyPr>
-            <a:normAutofit fontScale="92500" lnSpcReduction="20000"/>
-          </a:bodyPr>
-          <a:lstStyle/>
-          <a:p>
-            <a:r>
-              <a:rPr lang="en-US" dirty="0"/>
-              <a:t>C# Model-driven development, </a:t>
-            </a:r>
-          </a:p>
-          <a:p>
-            <a:pPr lvl="1"/>
-            <a:r>
-              <a:rPr lang="en-US" dirty="0"/>
-              <a:t>Define Web Service API using YOUR strong-typed DTOs</a:t>
-            </a:r>
-          </a:p>
-          <a:p>
-            <a:pPr lvl="1"/>
-            <a:r>
-              <a:rPr lang="en-US" dirty="0"/>
-              <a:t>No Code-gen </a:t>
-            </a:r>
-          </a:p>
-          <a:p>
-            <a:r>
-              <a:rPr lang="en-US" dirty="0"/>
-              <a:t>No Artificial layers or constructs</a:t>
-            </a:r>
-          </a:p>
-          <a:p>
-            <a:pPr lvl="1"/>
-            <a:r>
-              <a:rPr lang="en-US" dirty="0"/>
-              <a:t>Complete control over HTTP Headers and serialized output</a:t>
-            </a:r>
-          </a:p>
-          <a:p>
-            <a:r>
-              <a:rPr lang="en-US" dirty="0"/>
-              <a:t>Endpoint ignorant</a:t>
-            </a:r>
-          </a:p>
-          <a:p>
-            <a:pPr lvl="1"/>
-            <a:r>
-              <a:rPr lang="en-US" dirty="0"/>
-              <a:t>C# only, code to interfaces and types not specific formats or endpoints</a:t>
-            </a:r>
-          </a:p>
-          <a:p>
-            <a:pPr lvl="1"/>
-            <a:r>
-              <a:rPr lang="en-US" dirty="0"/>
-              <a:t>C# object IN -&gt; C# object OUT</a:t>
-            </a:r>
-          </a:p>
-          <a:p>
-            <a:r>
-              <a:rPr lang="en-US" dirty="0"/>
-              <a:t>No </a:t>
-            </a:r>
-            <a:r>
-              <a:rPr lang="en-US" dirty="0" err="1"/>
-              <a:t>config</a:t>
-            </a:r>
-            <a:r>
-              <a:rPr lang="en-US" dirty="0"/>
-              <a:t> required with Sensible defaults</a:t>
-            </a:r>
-          </a:p>
-          <a:p>
-            <a:r>
-              <a:rPr lang="en-US" dirty="0"/>
-              <a:t>No code-gen, same DTO used in strong-typed client API</a:t>
-            </a:r>
-          </a:p>
-          <a:p>
-            <a:r>
-              <a:rPr lang="en-US" dirty="0"/>
-              <a:t>Same C# client can call any web service at any endpoint</a:t>
-            </a:r>
-          </a:p>
-          <a:p>
-            <a:pPr lvl="1"/>
-            <a:r>
-              <a:rPr lang="en-US" dirty="0"/>
-              <a:t>Generic C# Service Clients: XML, JSON, JSV and Soap11/Soap12</a:t>
-            </a:r>
-          </a:p>
-          <a:p>
-            <a:pPr lvl="1"/>
-            <a:r>
-              <a:rPr lang="en-US" dirty="0"/>
-              <a:t>Both Sync and </a:t>
-            </a:r>
-            <a:r>
-              <a:rPr lang="en-US" dirty="0" err="1"/>
-              <a:t>Async</a:t>
-            </a:r>
-            <a:r>
-              <a:rPr lang="en-US" dirty="0"/>
-              <a:t> clients support 1 LOC web service calls</a:t>
-            </a:r>
-          </a:p>
-          <a:p>
-            <a:pPr lvl="1"/>
-            <a:r>
-              <a:rPr lang="en-US" dirty="0"/>
-              <a:t>Provides </a:t>
-            </a:r>
-            <a:r>
-              <a:rPr lang="en-US" dirty="0" err="1"/>
-              <a:t>ErrorCode</a:t>
-            </a:r>
-            <a:r>
-              <a:rPr lang="en-US" dirty="0"/>
-              <a:t>, </a:t>
-            </a:r>
-            <a:r>
-              <a:rPr lang="en-US" dirty="0" err="1"/>
-              <a:t>ErrorMessage</a:t>
-            </a:r>
-            <a:r>
-              <a:rPr lang="en-US" dirty="0"/>
-              <a:t> from </a:t>
-            </a:r>
-            <a:r>
-              <a:rPr lang="en-US" dirty="0" err="1" smtClean="0"/>
-              <a:t>WebServiceException</a:t>
-            </a:r>
-            <a:endParaRPr lang="en-US" dirty="0"/>
-          </a:p>
-        </p:txBody>
-      </p:sp>
-      <p:sp>
-        <p:nvSpPr>
-          <p:cNvPr id="4" name="Footer Placeholder 3"/>
-          <p:cNvSpPr>
-            <a:spLocks noGrp="1"/>
-          </p:cNvSpPr>
-          <p:nvPr>
-            <p:ph type="ftr" sz="quarter" idx="11"/>
-          </p:nvPr>
-        </p:nvSpPr>
-        <p:spPr/>
-        <p:txBody>
-          <a:bodyPr/>
-          <a:lstStyle/>
-          <a:p>
-            <a:r>
-              <a:rPr lang="en-US" smtClean="0"/>
-              <a:t>Source:  https://docs.google.com/presentation/d/16ey0MrpHOSz5N5sjctAliOgYWO3ZYeJe070fLZlPdrE/present#slide=id.i0</a:t>
-            </a:r>
-            <a:endParaRPr lang="en-US" dirty="0"/>
-          </a:p>
-        </p:txBody>
-      </p:sp>
+      </p:pic>
     </p:spTree>
     <p:extLst>
       <p:ext uri="{BB962C8B-B14F-4D97-AF65-F5344CB8AC3E}">
-        <p14:creationId xmlns:p14="http://schemas.microsoft.com/office/powerpoint/2010/main" val="1848557156"/>
+        <p14:creationId xmlns:p14="http://schemas.microsoft.com/office/powerpoint/2010/main" val="3536663508"/>
       </p:ext>
     </p:extLst>
   </p:cSld>
@@ -7527,7 +7802,7 @@
           <a:p>
             <a:r>
               <a:rPr lang="en-US" dirty="0" smtClean="0"/>
-              <a:t>Fast</a:t>
+              <a:t>Architecture</a:t>
             </a:r>
             <a:endParaRPr lang="en-US" dirty="0"/>
           </a:p>
@@ -7545,158 +7820,34 @@
         </p:nvSpPr>
         <p:spPr>
           <a:xfrm>
-            <a:off x="677334" y="1452282"/>
-            <a:ext cx="8596668" cy="4589079"/>
+            <a:off x="677334" y="2160589"/>
+            <a:ext cx="5723466" cy="3880773"/>
           </a:xfrm>
         </p:spPr>
         <p:txBody>
-          <a:bodyPr>
-            <a:normAutofit fontScale="92500" lnSpcReduction="10000"/>
-          </a:bodyPr>
-          <a:lstStyle/>
-          <a:p>
-            <a:r>
-              <a:rPr lang="en-US" dirty="0"/>
-              <a:t>Built on raw </a:t>
-            </a:r>
-            <a:r>
-              <a:rPr lang="en-US" dirty="0" err="1"/>
-              <a:t>IHttpHandlers</a:t>
-            </a:r>
-            <a:endParaRPr lang="en-US" dirty="0"/>
-          </a:p>
-          <a:p>
-            <a:r>
-              <a:rPr lang="en-US" dirty="0"/>
-              <a:t>No runtime reflection or regular expressions</a:t>
-            </a:r>
-          </a:p>
-          <a:p>
-            <a:r>
-              <a:rPr lang="en-US" dirty="0"/>
-              <a:t>Uses Built-in </a:t>
-            </a:r>
-            <a:r>
-              <a:rPr lang="en-US" dirty="0" err="1"/>
-              <a:t>Funq</a:t>
-            </a:r>
-            <a:r>
-              <a:rPr lang="en-US" dirty="0"/>
-              <a:t> IOC</a:t>
-            </a:r>
-          </a:p>
-          <a:p>
-            <a:pPr lvl="1"/>
-            <a:r>
-              <a:rPr lang="en-US" dirty="0" err="1"/>
-              <a:t>Funq</a:t>
-            </a:r>
-            <a:r>
-              <a:rPr lang="en-US" dirty="0"/>
-              <a:t> is 55x faster than Windsor </a:t>
-            </a:r>
-          </a:p>
-          <a:p>
-            <a:r>
-              <a:rPr lang="en-US" dirty="0"/>
-              <a:t>Fastest JSON, JSV text </a:t>
-            </a:r>
-            <a:r>
-              <a:rPr lang="en-US" dirty="0" err="1"/>
-              <a:t>serializers</a:t>
-            </a:r>
-            <a:r>
-              <a:rPr lang="en-US" dirty="0"/>
-              <a:t> for .NET</a:t>
-            </a:r>
-          </a:p>
-          <a:p>
-            <a:pPr lvl="1"/>
-            <a:r>
-              <a:rPr lang="en-US" dirty="0" err="1"/>
-              <a:t>ServiceStack.Text</a:t>
-            </a:r>
-            <a:r>
-              <a:rPr lang="en-US" dirty="0"/>
-              <a:t> is 3.6x faster </a:t>
-            </a:r>
-            <a:r>
-              <a:rPr lang="en-US" dirty="0" err="1"/>
-              <a:t>DataContractJsonSerializer</a:t>
-            </a:r>
-            <a:endParaRPr lang="en-US" dirty="0"/>
-          </a:p>
-          <a:p>
-            <a:r>
-              <a:rPr lang="en-US" dirty="0"/>
-              <a:t>Includes #1 C# </a:t>
-            </a:r>
-            <a:r>
-              <a:rPr lang="en-US" dirty="0" err="1"/>
-              <a:t>Redis</a:t>
-            </a:r>
-            <a:r>
-              <a:rPr lang="en-US" dirty="0"/>
-              <a:t> Client</a:t>
-            </a:r>
-          </a:p>
-          <a:p>
-            <a:pPr lvl="1"/>
-            <a:r>
-              <a:rPr lang="en-US" dirty="0" err="1"/>
-              <a:t>Redis</a:t>
-            </a:r>
-            <a:r>
-              <a:rPr lang="en-US" dirty="0"/>
-              <a:t> is the fastest in-memory NoSQL database</a:t>
-            </a:r>
-          </a:p>
-          <a:p>
-            <a:r>
-              <a:rPr lang="en-US" dirty="0"/>
-              <a:t>Includes ASP.NET </a:t>
-            </a:r>
-            <a:r>
-              <a:rPr lang="en-US" dirty="0" err="1"/>
-              <a:t>config</a:t>
-            </a:r>
-            <a:r>
-              <a:rPr lang="en-US" dirty="0"/>
-              <a:t>-free caching providers</a:t>
-            </a:r>
-          </a:p>
-          <a:p>
-            <a:pPr lvl="1"/>
-            <a:r>
-              <a:rPr lang="en-US" dirty="0" err="1"/>
-              <a:t>Memcahed</a:t>
-            </a:r>
-            <a:endParaRPr lang="en-US" dirty="0"/>
-          </a:p>
-          <a:p>
-            <a:pPr lvl="1"/>
-            <a:r>
-              <a:rPr lang="en-US" dirty="0" err="1"/>
-              <a:t>Redis</a:t>
-            </a:r>
-            <a:endParaRPr lang="en-US" dirty="0"/>
-          </a:p>
-          <a:p>
-            <a:pPr lvl="1"/>
-            <a:r>
-              <a:rPr lang="en-US" dirty="0"/>
-              <a:t>In-Memory</a:t>
-            </a:r>
-          </a:p>
-          <a:p>
-            <a:pPr lvl="1"/>
-            <a:r>
-              <a:rPr lang="en-US" dirty="0" err="1"/>
-              <a:t>FileSystem</a:t>
-            </a:r>
-            <a:endParaRPr lang="en-US" dirty="0"/>
-          </a:p>
-          <a:p>
+          <a:bodyPr/>
+          <a:lstStyle/>
+          <a:p>
+            <a:r>
+              <a:rPr lang="en-US" dirty="0" smtClean="0"/>
+              <a:t>POCO Based messaging</a:t>
+            </a:r>
+          </a:p>
+          <a:p>
+            <a:r>
+              <a:rPr lang="en-US" dirty="0" smtClean="0"/>
+              <a:t>Request/Response or Message Queuing</a:t>
+            </a:r>
+          </a:p>
+          <a:p>
+            <a:r>
+              <a:rPr lang="en-US" dirty="0"/>
+              <a:t>built on top of Raw ASP.NET </a:t>
+            </a:r>
+            <a:r>
+              <a:rPr lang="en-US" dirty="0" err="1" smtClean="0"/>
+              <a:t>IHttpHandler</a:t>
+            </a:r>
             <a:endParaRPr lang="en-US" dirty="0"/>
           </a:p>
         </p:txBody>
@@ -7717,17 +7868,62 @@
           <a:lstStyle/>
           <a:p>
             <a:r>
-              <a:rPr lang="en-US" smtClean="0"/>
-              <a:t>Source:  https://docs.google.com/presentation/d/16ey0MrpHOSz5N5sjctAliOgYWO3ZYeJe070fLZlPdrE/present#slide=id.i0</a:t>
-            </a:r>
-            <a:endParaRPr lang="en-US" dirty="0"/>
-          </a:p>
-        </p:txBody>
-      </p:sp>
+              <a:rPr lang="en-US" dirty="0" smtClean="0"/>
+              <a:t>Source</a:t>
+            </a:r>
+            <a:r>
+              <a:rPr lang="en-US" dirty="0"/>
+              <a:t>:  https://servicestack.net/features</a:t>
+            </a:r>
+            <a:endParaRPr lang="en-US" dirty="0"/>
+          </a:p>
+        </p:txBody>
+      </p:sp>
+      <p:pic>
+        <p:nvPicPr>
+          <p:cNvPr id="1028" name="Picture 4" descr="ServiceStack Logical Architecture View"/>
+          <p:cNvPicPr>
+            <a:picLocks noChangeAspect="1" noChangeArrowheads="1"/>
+          </p:cNvPicPr>
+          <p:nvPr/>
+        </p:nvPicPr>
+        <p:blipFill>
+          <a:blip r:embed="rId2">
+            <a:extLst>
+              <a:ext uri="{28A0092B-C50C-407E-A947-70E740481C1C}">
+                <a14:useLocalDpi xmlns:a14="http://schemas.microsoft.com/office/drawing/2010/main" val="0"/>
+              </a:ext>
+            </a:extLst>
+          </a:blip>
+          <a:srcRect/>
+          <a:stretch>
+            <a:fillRect/>
+          </a:stretch>
+        </p:blipFill>
+        <p:spPr bwMode="auto">
+          <a:xfrm>
+            <a:off x="6400800" y="314046"/>
+            <a:ext cx="5392644" cy="6229908"/>
+          </a:xfrm>
+          <a:prstGeom prst="rect">
+            <a:avLst/>
+          </a:prstGeom>
+          <a:noFill/>
+          <a:extLst>
+            <a:ext uri="{909E8E84-426E-40DD-AFC4-6F175D3DCCD1}">
+              <a14:hiddenFill xmlns:a14="http://schemas.microsoft.com/office/drawing/2010/main">
+                <a:solidFill>
+                  <a:srgbClr val="FFFFFF"/>
+                </a:solidFill>
+              </a14:hiddenFill>
+            </a:ext>
+          </a:extLst>
+        </p:spPr>
+      </p:pic>
     </p:spTree>
     <p:extLst>
       <p:ext uri="{BB962C8B-B14F-4D97-AF65-F5344CB8AC3E}">
-        <p14:creationId xmlns:p14="http://schemas.microsoft.com/office/powerpoint/2010/main" val="473070818"/>
+        <p14:creationId xmlns:p14="http://schemas.microsoft.com/office/powerpoint/2010/main" val="3500386946"/>
       </p:ext>
     </p:extLst>
   </p:cSld>
@@ -7771,111 +7967,172 @@
             <p:ph type="title"/>
           </p:nvPr>
         </p:nvSpPr>
-        <p:spPr/>
-        <p:txBody>
-          <a:bodyPr/>
-          <a:lstStyle/>
-          <a:p>
-            <a:r>
-              <a:rPr lang="en-US" dirty="0" smtClean="0"/>
-              <a:t>Best Practices</a:t>
-            </a:r>
-            <a:endParaRPr lang="en-US" dirty="0"/>
-          </a:p>
-        </p:txBody>
-      </p:sp>
-      <p:sp>
-        <p:nvSpPr>
-          <p:cNvPr id="3" name="Content Placeholder 2"/>
-          <p:cNvSpPr>
-            <a:spLocks noGrp="1"/>
-          </p:cNvSpPr>
-          <p:nvPr>
-            <p:ph idx="1"/>
-          </p:nvPr>
-        </p:nvSpPr>
         <p:spPr>
           <a:xfrm>
-            <a:off x="677334" y="1465729"/>
-            <a:ext cx="8596668" cy="4575633"/>
+            <a:off x="677334" y="609600"/>
+            <a:ext cx="8596668" cy="838201"/>
           </a:xfrm>
         </p:spPr>
         <p:txBody>
           <a:bodyPr/>
           <a:lstStyle/>
           <a:p>
-            <a:pPr marL="0" indent="0">
-              <a:buNone/>
-            </a:pPr>
-            <a:r>
-              <a:rPr lang="en-US" dirty="0">
-                <a:solidFill>
-                  <a:srgbClr val="000000"/>
-                </a:solidFill>
-                <a:latin typeface="Arial"/>
-                <a:ea typeface="Arial"/>
-                <a:cs typeface="Arial"/>
-                <a:sym typeface="Arial"/>
-              </a:rPr>
-              <a:t>Influenced by Martin Fowlers Data Transfer Object Pattern</a:t>
-            </a:r>
-          </a:p>
-          <a:p>
-            <a:pPr marL="0" indent="0">
-              <a:buNone/>
-            </a:pPr>
-            <a:endParaRPr lang="en-US" dirty="0" smtClean="0"/>
-          </a:p>
-          <a:p>
             <a:r>
               <a:rPr lang="en-US" dirty="0" smtClean="0"/>
-              <a:t>Encourage </a:t>
-            </a:r>
-            <a:r>
-              <a:rPr lang="en-US" dirty="0"/>
-              <a:t>batch-full, re-usable web services</a:t>
+              <a:t>Simple</a:t>
+            </a:r>
+            <a:endParaRPr lang="en-US" dirty="0"/>
+          </a:p>
+        </p:txBody>
+      </p:sp>
+      <p:sp>
+        <p:nvSpPr>
+          <p:cNvPr id="3" name="Content Placeholder 2"/>
+          <p:cNvSpPr>
+            <a:spLocks noGrp="1"/>
+          </p:cNvSpPr>
+          <p:nvPr>
+            <p:ph idx="1"/>
+          </p:nvPr>
+        </p:nvSpPr>
+        <p:spPr>
+          <a:xfrm>
+            <a:off x="677334" y="1447801"/>
+            <a:ext cx="8596668" cy="4593562"/>
+          </a:xfrm>
+        </p:spPr>
+        <p:txBody>
+          <a:bodyPr>
+            <a:normAutofit fontScale="92500" lnSpcReduction="20000"/>
+          </a:bodyPr>
+          <a:lstStyle/>
+          <a:p>
+            <a:r>
+              <a:rPr lang="en-US" dirty="0"/>
+              <a:t>C# Model-driven development, </a:t>
             </a:r>
           </a:p>
           <a:p>
             <a:pPr lvl="1"/>
             <a:r>
               <a:rPr lang="en-US" dirty="0"/>
-              <a:t>Discourage chatty, client-specific APIs</a:t>
-            </a:r>
-          </a:p>
-          <a:p>
-            <a:r>
-              <a:rPr lang="en-US" dirty="0"/>
-              <a:t>Importance of a Coarse-grained, well-defined API</a:t>
-            </a:r>
-          </a:p>
-          <a:p>
-            <a:r>
-              <a:rPr lang="en-US" dirty="0"/>
-              <a:t>Resilient </a:t>
+              <a:t>Define Web Service API using YOUR strong-typed DTOs</a:t>
+            </a:r>
+          </a:p>
+          <a:p>
+            <a:pPr lvl="1"/>
+            <a:r>
+              <a:rPr lang="en-US" dirty="0"/>
+              <a:t>No Code-gen </a:t>
+            </a:r>
+          </a:p>
+          <a:p>
+            <a:r>
+              <a:rPr lang="en-US" dirty="0"/>
+              <a:t>No Artificial layers or constructs</a:t>
+            </a:r>
+          </a:p>
+          <a:p>
+            <a:pPr lvl="1"/>
+            <a:r>
+              <a:rPr lang="en-US" dirty="0"/>
+              <a:t>Complete control over HTTP Headers and serialized output</a:t>
+            </a:r>
+          </a:p>
+          <a:p>
+            <a:r>
+              <a:rPr lang="en-US" dirty="0"/>
+              <a:t>Endpoint ignorant</a:t>
+            </a:r>
+          </a:p>
+          <a:p>
+            <a:pPr lvl="1"/>
+            <a:r>
+              <a:rPr lang="en-US" dirty="0"/>
+              <a:t>C# only, code to interfaces and types not specific formats or endpoints</a:t>
+            </a:r>
+          </a:p>
+          <a:p>
+            <a:pPr lvl="1"/>
+            <a:r>
+              <a:rPr lang="en-US" dirty="0"/>
+              <a:t>C# object IN -&gt; C# object OUT</a:t>
+            </a:r>
+          </a:p>
+          <a:p>
+            <a:r>
+              <a:rPr lang="en-US" dirty="0"/>
+              <a:t>No </a:t>
             </a:r>
             <a:r>
               <a:rPr lang="en-US" dirty="0" err="1"/>
-              <a:t>serializers</a:t>
-            </a:r>
-            <a:r>
-              <a:rPr lang="en-US" dirty="0"/>
-              <a:t> with better versioning support</a:t>
-            </a:r>
-          </a:p>
-          <a:p>
-            <a:r>
-              <a:rPr lang="en-US" dirty="0"/>
-              <a:t>Decoupling of message from operation and endpoint</a:t>
-            </a:r>
-          </a:p>
-          <a:p>
-            <a:r>
-              <a:rPr lang="en-US" dirty="0"/>
-              <a:t>Clean separation of DTO from implementation</a:t>
-            </a:r>
-          </a:p>
-          <a:p>
+              <a:t>config</a:t>
+            </a:r>
+            <a:r>
+              <a:rPr lang="en-US" dirty="0"/>
+              <a:t> required with Sensible defaults</a:t>
+            </a:r>
+          </a:p>
+          <a:p>
+            <a:r>
+              <a:rPr lang="en-US" dirty="0"/>
+              <a:t>No code-gen, same DTO used in strong-typed client API</a:t>
+            </a:r>
+          </a:p>
+          <a:p>
+            <a:r>
+              <a:rPr lang="en-US" dirty="0"/>
+              <a:t>Same C# client can call any web service at any endpoint</a:t>
+            </a:r>
+          </a:p>
+          <a:p>
+            <a:pPr lvl="1"/>
+            <a:r>
+              <a:rPr lang="en-US" dirty="0"/>
+              <a:t>Generic C# Service Clients: XML, JSON, JSV and Soap11/Soap12</a:t>
+            </a:r>
+          </a:p>
+          <a:p>
+            <a:pPr lvl="1"/>
+            <a:r>
+              <a:rPr lang="en-US" dirty="0"/>
+              <a:t>Both Sync and </a:t>
+            </a:r>
+            <a:r>
+              <a:rPr lang="en-US" dirty="0" err="1"/>
+              <a:t>Async</a:t>
+            </a:r>
+            <a:r>
+              <a:rPr lang="en-US" dirty="0"/>
+              <a:t> clients support 1 LOC web service calls</a:t>
+            </a:r>
+          </a:p>
+          <a:p>
+            <a:pPr lvl="1"/>
+            <a:r>
+              <a:rPr lang="en-US" dirty="0"/>
+              <a:t>Provides </a:t>
+            </a:r>
+            <a:r>
+              <a:rPr lang="en-US" dirty="0" err="1"/>
+              <a:t>ErrorCode</a:t>
+            </a:r>
+            <a:r>
+              <a:rPr lang="en-US" dirty="0"/>
+              <a:t>, </a:t>
+            </a:r>
+            <a:r>
+              <a:rPr lang="en-US" dirty="0" err="1"/>
+              <a:t>ErrorMessage</a:t>
+            </a:r>
+            <a:r>
+              <a:rPr lang="en-US" dirty="0"/>
+              <a:t> from </a:t>
+            </a:r>
+            <a:r>
+              <a:rPr lang="en-US" dirty="0" err="1" smtClean="0"/>
+              <a:t>WebServiceException</a:t>
+            </a:r>
             <a:endParaRPr lang="en-US" dirty="0"/>
           </a:p>
         </p:txBody>
@@ -7906,7 +8163,7 @@
     </p:spTree>
     <p:extLst>
       <p:ext uri="{BB962C8B-B14F-4D97-AF65-F5344CB8AC3E}">
-        <p14:creationId xmlns:p14="http://schemas.microsoft.com/office/powerpoint/2010/main" val="522732423"/>
+        <p14:creationId xmlns:p14="http://schemas.microsoft.com/office/powerpoint/2010/main" val="1848557156"/>
       </p:ext>
     </p:extLst>
   </p:cSld>
@@ -7957,7 +8214,7 @@
           <a:p>
             <a:r>
               <a:rPr lang="en-US" dirty="0" smtClean="0"/>
-              <a:t>C# and HTTP as DRY as possible</a:t>
+              <a:t>Fast</a:t>
             </a:r>
             <a:endParaRPr lang="en-US" dirty="0"/>
           </a:p>
@@ -7975,64 +8232,116 @@
         </p:nvSpPr>
         <p:spPr>
           <a:xfrm>
-            <a:off x="677334" y="1452283"/>
-            <a:ext cx="8596668" cy="4589080"/>
+            <a:off x="677334" y="1452282"/>
+            <a:ext cx="8596668" cy="4589079"/>
           </a:xfrm>
         </p:spPr>
         <p:txBody>
           <a:bodyPr>
-            <a:normAutofit fontScale="70000" lnSpcReduction="20000"/>
+            <a:normAutofit fontScale="92500" lnSpcReduction="10000"/>
           </a:bodyPr>
           <a:lstStyle/>
           <a:p>
             <a:r>
               <a:rPr lang="en-US" dirty="0"/>
-              <a:t>Develop Service using only C# POCO types</a:t>
+              <a:t>Built on raw </a:t>
+            </a:r>
+            <a:r>
+              <a:rPr lang="en-US" dirty="0" err="1"/>
+              <a:t>IHttpHandlers</a:t>
+            </a:r>
+            <a:endParaRPr lang="en-US" dirty="0"/>
+          </a:p>
+          <a:p>
+            <a:r>
+              <a:rPr lang="en-US" dirty="0"/>
+              <a:t>No runtime reflection or regular expressions</a:t>
+            </a:r>
+          </a:p>
+          <a:p>
+            <a:r>
+              <a:rPr lang="en-US" dirty="0"/>
+              <a:t>Uses Built-in </a:t>
+            </a:r>
+            <a:r>
+              <a:rPr lang="en-US" dirty="0" err="1"/>
+              <a:t>Funq</a:t>
+            </a:r>
+            <a:r>
+              <a:rPr lang="en-US" dirty="0"/>
+              <a:t> IOC</a:t>
             </a:r>
           </a:p>
           <a:p>
             <a:pPr lvl="1"/>
             <a:r>
-              <a:rPr lang="en-US" dirty="0"/>
-              <a:t>Implement </a:t>
-            </a:r>
-            <a:r>
               <a:rPr lang="en-US" dirty="0" err="1"/>
-              <a:t>IService</a:t>
-            </a:r>
-            <a:r>
-              <a:rPr lang="en-US" dirty="0"/>
-              <a:t>&lt;</a:t>
+              <a:t>Funq</a:t>
+            </a:r>
+            <a:r>
+              <a:rPr lang="en-US" dirty="0"/>
+              <a:t> is 55x faster than Windsor </a:t>
+            </a:r>
+          </a:p>
+          <a:p>
+            <a:r>
+              <a:rPr lang="en-US" dirty="0"/>
+              <a:t>Fastest JSON, JSV text </a:t>
             </a:r>
             <a:r>
               <a:rPr lang="en-US" dirty="0" err="1"/>
-              <a:t>TRequest</a:t>
-            </a:r>
-            <a:r>
-              <a:rPr lang="en-US" dirty="0"/>
-              <a:t>&gt; or </a:t>
-            </a:r>
+              <a:t>serializers</a:t>
+            </a:r>
+            <a:r>
+              <a:rPr lang="en-US" dirty="0"/>
+              <a:t> for .NET</a:t>
+            </a:r>
+          </a:p>
+          <a:p>
+            <a:pPr lvl="1"/>
             <a:r>
               <a:rPr lang="en-US" dirty="0" err="1"/>
-              <a:t>IRestService</a:t>
-            </a:r>
-            <a:r>
-              <a:rPr lang="en-US" dirty="0"/>
-              <a:t>&lt;</a:t>
+              <a:t>ServiceStack.Text</a:t>
+            </a:r>
+            <a:r>
+              <a:rPr lang="en-US" dirty="0"/>
+              <a:t> is 3.6x faster </a:t>
             </a:r>
             <a:r>
               <a:rPr lang="en-US" dirty="0" err="1"/>
-              <a:t>TRequest</a:t>
-            </a:r>
-            <a:r>
-              <a:rPr lang="en-US" dirty="0"/>
-              <a:t>&gt;</a:t>
-            </a:r>
-          </a:p>
-          <a:p>
-            <a:r>
-              <a:rPr lang="en-US" dirty="0"/>
-              <a:t>Same service with no </a:t>
+              <a:t>DataContractJsonSerializer</a:t>
+            </a:r>
+            <a:endParaRPr lang="en-US" dirty="0"/>
+          </a:p>
+          <a:p>
+            <a:r>
+              <a:rPr lang="en-US" dirty="0"/>
+              <a:t>Includes #1 C# </a:t>
+            </a:r>
+            <a:r>
+              <a:rPr lang="en-US" dirty="0" err="1"/>
+              <a:t>Redis</a:t>
+            </a:r>
+            <a:r>
+              <a:rPr lang="en-US" dirty="0"/>
+              <a:t> Client</a:t>
+            </a:r>
+          </a:p>
+          <a:p>
+            <a:pPr lvl="1"/>
+            <a:r>
+              <a:rPr lang="en-US" dirty="0" err="1"/>
+              <a:t>Redis</a:t>
+            </a:r>
+            <a:r>
+              <a:rPr lang="en-US" dirty="0"/>
+              <a:t> is the fastest in-memory NoSQL database</a:t>
+            </a:r>
+          </a:p>
+          <a:p>
+            <a:r>
+              <a:rPr lang="en-US" dirty="0"/>
+              <a:t>Includes ASP.NET </a:t>
             </a:r>
             <a:r>
               <a:rPr lang="en-US" dirty="0" err="1"/>
@@ -8040,32 +8349,22 @@
             </a:r>
             <a:r>
               <a:rPr lang="en-US" dirty="0"/>
-              <a:t> or code-gen</a:t>
+              <a:t>-free caching providers</a:t>
             </a:r>
           </a:p>
           <a:p>
             <a:pPr lvl="1"/>
             <a:r>
-              <a:rPr lang="en-US" dirty="0"/>
-              <a:t>Callable via REST, RPC POX/J or SOAP endpoints</a:t>
-            </a:r>
+              <a:rPr lang="en-US" dirty="0" err="1"/>
+              <a:t>Memcahed</a:t>
+            </a:r>
+            <a:endParaRPr lang="en-US" dirty="0"/>
           </a:p>
           <a:p>
             <a:pPr lvl="1"/>
             <a:r>
-              <a:rPr lang="en-US" dirty="0"/>
-              <a:t>Callable on any format (XML, JSON, SOAP, JSV, CSV, HTML)</a:t>
-            </a:r>
-          </a:p>
-          <a:p>
-            <a:pPr lvl="2"/>
-            <a:r>
-              <a:rPr lang="en-US" dirty="0"/>
-              <a:t>via HTTP Accept: or ?format=type. JSONP with ?callback=</a:t>
-            </a:r>
-            <a:r>
               <a:rPr lang="en-US" dirty="0" err="1"/>
-              <a:t>cb</a:t>
+              <a:t>Redis</a:t>
             </a:r>
             <a:endParaRPr lang="en-US" dirty="0"/>
           </a:p>
@@ -8073,108 +8372,14 @@
             <a:pPr lvl="1"/>
             <a:r>
               <a:rPr lang="en-US" dirty="0"/>
-              <a:t>Can process HTTP File Upload multipart/form-data</a:t>
-            </a:r>
-          </a:p>
-          <a:p>
-            <a:r>
-              <a:rPr lang="en-US" dirty="0"/>
-              <a:t>Strong-typed Request DTO can be populated by:</a:t>
+              <a:t>In-Memory</a:t>
             </a:r>
           </a:p>
           <a:p>
             <a:pPr lvl="1"/>
             <a:r>
-              <a:rPr lang="en-US" dirty="0"/>
-              <a:t>HTTP GET </a:t>
-            </a:r>
-            <a:r>
               <a:rPr lang="en-US" dirty="0" err="1"/>
-              <a:t>QueryString</a:t>
-            </a:r>
-            <a:endParaRPr lang="en-US" dirty="0"/>
-          </a:p>
-          <a:p>
-            <a:pPr lvl="1"/>
-            <a:r>
-              <a:rPr lang="en-US" dirty="0"/>
-              <a:t>HTTP POST DTO Content-Type (i.e. XML, JSON, </a:t>
-            </a:r>
-            <a:r>
-              <a:rPr lang="en-US" dirty="0" err="1"/>
-              <a:t>etc</a:t>
-            </a:r>
-            <a:r>
-              <a:rPr lang="en-US" dirty="0"/>
-              <a:t>)</a:t>
-            </a:r>
-          </a:p>
-          <a:p>
-            <a:pPr lvl="1"/>
-            <a:r>
-              <a:rPr lang="en-US" dirty="0"/>
-              <a:t>HTTP FORM POST x-www-form-</a:t>
-            </a:r>
-            <a:r>
-              <a:rPr lang="en-US" dirty="0" err="1"/>
-              <a:t>urlencoded</a:t>
-            </a:r>
-            <a:r>
-              <a:rPr lang="en-US" dirty="0"/>
-              <a:t> </a:t>
-            </a:r>
-          </a:p>
-          <a:p>
-            <a:r>
-              <a:rPr lang="en-US" dirty="0"/>
-              <a:t>Can return any of:</a:t>
-            </a:r>
-          </a:p>
-          <a:p>
-            <a:pPr lvl="1"/>
-            <a:r>
-              <a:rPr lang="en-US" dirty="0"/>
-              <a:t>Any DTO object -&gt; serialized to Response Content-Type</a:t>
-            </a:r>
-          </a:p>
-          <a:p>
-            <a:pPr lvl="1"/>
-            <a:r>
-              <a:rPr lang="en-US" dirty="0" err="1"/>
-              <a:t>HttpResult</a:t>
-            </a:r>
-            <a:r>
-              <a:rPr lang="en-US" dirty="0"/>
-              <a:t>, </a:t>
-            </a:r>
-            <a:r>
-              <a:rPr lang="en-US" dirty="0" err="1"/>
-              <a:t>HttpError</a:t>
-            </a:r>
-            <a:r>
-              <a:rPr lang="en-US" dirty="0"/>
-              <a:t> for Customized HTTP response</a:t>
-            </a:r>
-          </a:p>
-          <a:p>
-            <a:pPr lvl="1"/>
-            <a:r>
-              <a:rPr lang="en-US" dirty="0"/>
-              <a:t>String</a:t>
-            </a:r>
-          </a:p>
-          <a:p>
-            <a:pPr lvl="1"/>
-            <a:r>
-              <a:rPr lang="en-US" dirty="0"/>
-              <a:t>Stream</a:t>
-            </a:r>
-          </a:p>
-          <a:p>
-            <a:pPr lvl="1"/>
-            <a:r>
-              <a:rPr lang="en-US" dirty="0" err="1" smtClean="0"/>
-              <a:t>IStreamWriter</a:t>
+              <a:t>FileSystem</a:t>
             </a:r>
             <a:endParaRPr lang="en-US" dirty="0"/>
           </a:p>
@@ -8209,7 +8414,7 @@
     </p:spTree>
     <p:extLst>
       <p:ext uri="{BB962C8B-B14F-4D97-AF65-F5344CB8AC3E}">
-        <p14:creationId xmlns:p14="http://schemas.microsoft.com/office/powerpoint/2010/main" val="1210378051"/>
+        <p14:creationId xmlns:p14="http://schemas.microsoft.com/office/powerpoint/2010/main" val="473070818"/>
       </p:ext>
     </p:extLst>
   </p:cSld>
@@ -8260,11 +8465,7 @@
           <a:p>
             <a:r>
               <a:rPr lang="en-US" dirty="0" smtClean="0"/>
-              <a:t>“No” </a:t>
-            </a:r>
-            <a:r>
-              <a:rPr lang="en-US" dirty="0" err="1" smtClean="0"/>
-              <a:t>Config</a:t>
+              <a:t>Best Practices</a:t>
             </a:r>
             <a:endParaRPr lang="en-US" dirty="0"/>
           </a:p>
@@ -8282,48 +8483,86 @@
         </p:nvSpPr>
         <p:spPr>
           <a:xfrm>
-            <a:off x="677334" y="1452283"/>
-            <a:ext cx="8596668" cy="4589080"/>
+            <a:off x="677334" y="1465729"/>
+            <a:ext cx="8596668" cy="4575633"/>
           </a:xfrm>
         </p:spPr>
         <p:txBody>
           <a:bodyPr/>
           <a:lstStyle/>
           <a:p>
+            <a:pPr marL="0" indent="0">
+              <a:buNone/>
+            </a:pPr>
+            <a:r>
+              <a:rPr lang="en-US" dirty="0">
+                <a:solidFill>
+                  <a:srgbClr val="000000"/>
+                </a:solidFill>
+                <a:latin typeface="Arial"/>
+                <a:ea typeface="Arial"/>
+                <a:cs typeface="Arial"/>
+                <a:sym typeface="Arial"/>
+              </a:rPr>
+              <a:t>Influenced by Martin Fowlers Data Transfer Object Pattern</a:t>
+            </a:r>
+          </a:p>
+          <a:p>
+            <a:pPr marL="0" indent="0">
+              <a:buNone/>
+            </a:pPr>
+            <a:endParaRPr lang="en-US" dirty="0" smtClean="0"/>
+          </a:p>
+          <a:p>
             <a:r>
               <a:rPr lang="en-US" dirty="0" smtClean="0"/>
-              <a:t>Very little </a:t>
-            </a:r>
-            <a:r>
-              <a:rPr lang="en-US" dirty="0" err="1" smtClean="0"/>
-              <a:t>web.config</a:t>
-            </a:r>
-            <a:r>
-              <a:rPr lang="en-US" dirty="0" smtClean="0"/>
-              <a:t> work required with acceptable defaults</a:t>
+              <a:t>Encourage </a:t>
+            </a:r>
+            <a:r>
+              <a:rPr lang="en-US" dirty="0"/>
+              <a:t>batch-full, re-usable web services</a:t>
             </a:r>
           </a:p>
           <a:p>
             <a:pPr lvl="1"/>
             <a:r>
-              <a:rPr lang="en-US" dirty="0" smtClean="0"/>
-              <a:t>Connection strings</a:t>
-            </a:r>
-          </a:p>
-          <a:p>
-            <a:pPr lvl="1"/>
-            <a:r>
-              <a:rPr lang="en-US" dirty="0" smtClean="0"/>
-              <a:t>Additional 3</a:t>
-            </a:r>
-            <a:r>
-              <a:rPr lang="en-US" baseline="30000" dirty="0" smtClean="0"/>
-              <a:t>rd</a:t>
-            </a:r>
-            <a:r>
-              <a:rPr lang="en-US" dirty="0" smtClean="0"/>
-              <a:t> party library configuration</a:t>
-            </a:r>
+              <a:rPr lang="en-US" dirty="0"/>
+              <a:t>Discourage chatty, client-specific APIs</a:t>
+            </a:r>
+          </a:p>
+          <a:p>
+            <a:r>
+              <a:rPr lang="en-US" dirty="0"/>
+              <a:t>Importance of a Coarse-grained, well-defined API</a:t>
+            </a:r>
+          </a:p>
+          <a:p>
+            <a:r>
+              <a:rPr lang="en-US" dirty="0"/>
+              <a:t>Resilient </a:t>
+            </a:r>
+            <a:r>
+              <a:rPr lang="en-US" dirty="0" err="1"/>
+              <a:t>serializers</a:t>
+            </a:r>
+            <a:r>
+              <a:rPr lang="en-US" dirty="0"/>
+              <a:t> with better versioning support</a:t>
+            </a:r>
+          </a:p>
+          <a:p>
+            <a:r>
+              <a:rPr lang="en-US" dirty="0"/>
+              <a:t>Decoupling of message from operation and endpoint</a:t>
+            </a:r>
+          </a:p>
+          <a:p>
+            <a:r>
+              <a:rPr lang="en-US" dirty="0"/>
+              <a:t>Clean separation of DTO from implementation</a:t>
+            </a:r>
+          </a:p>
+          <a:p>
             <a:endParaRPr lang="en-US" dirty="0"/>
           </a:p>
         </p:txBody>
@@ -8354,7 +8593,7 @@
     </p:spTree>
     <p:extLst>
       <p:ext uri="{BB962C8B-B14F-4D97-AF65-F5344CB8AC3E}">
-        <p14:creationId xmlns:p14="http://schemas.microsoft.com/office/powerpoint/2010/main" val="2381407209"/>
+        <p14:creationId xmlns:p14="http://schemas.microsoft.com/office/powerpoint/2010/main" val="522732423"/>
       </p:ext>
     </p:extLst>
   </p:cSld>
@@ -8405,7 +8644,7 @@
           <a:p>
             <a:r>
               <a:rPr lang="en-US" dirty="0" smtClean="0"/>
-              <a:t>Smart - Infers from service metadata</a:t>
+              <a:t>C# and HTTP as DRY as possible</a:t>
             </a:r>
             <a:endParaRPr lang="en-US" dirty="0"/>
           </a:p>
@@ -8423,83 +8662,206 @@
         </p:nvSpPr>
         <p:spPr>
           <a:xfrm>
-            <a:off x="677334" y="1425389"/>
-            <a:ext cx="8596668" cy="4615974"/>
+            <a:off x="677334" y="1452283"/>
+            <a:ext cx="8596668" cy="4589080"/>
           </a:xfrm>
         </p:spPr>
         <p:txBody>
-          <a:bodyPr/>
-          <a:lstStyle/>
-          <a:p>
-            <a:r>
-              <a:rPr lang="en-US" dirty="0"/>
-              <a:t>Serializes C# Exceptions into your Response DTO</a:t>
-            </a:r>
-          </a:p>
-          <a:p>
-            <a:r>
-              <a:rPr lang="en-US" dirty="0"/>
-              <a:t>Auto-generated web services metadata </a:t>
+          <a:bodyPr>
+            <a:normAutofit fontScale="70000" lnSpcReduction="20000"/>
+          </a:bodyPr>
+          <a:lstStyle/>
+          <a:p>
+            <a:r>
+              <a:rPr lang="en-US" dirty="0"/>
+              <a:t>Develop Service using only C# POCO types</a:t>
+            </a:r>
+          </a:p>
+          <a:p>
+            <a:pPr lvl="1"/>
+            <a:r>
+              <a:rPr lang="en-US" dirty="0"/>
+              <a:t>Implement </a:t>
             </a:r>
             <a:r>
               <a:rPr lang="en-US" dirty="0" err="1"/>
-              <a:t>api</a:t>
-            </a:r>
-            <a:r>
-              <a:rPr lang="en-US" dirty="0"/>
-              <a:t> page</a:t>
+              <a:t>IService</a:t>
+            </a:r>
+            <a:r>
+              <a:rPr lang="en-US" dirty="0"/>
+              <a:t>&lt;</a:t>
+            </a:r>
+            <a:r>
+              <a:rPr lang="en-US" dirty="0" err="1"/>
+              <a:t>TRequest</a:t>
+            </a:r>
+            <a:r>
+              <a:rPr lang="en-US" dirty="0"/>
+              <a:t>&gt; or </a:t>
+            </a:r>
+            <a:r>
+              <a:rPr lang="en-US" dirty="0" err="1"/>
+              <a:t>IRestService</a:t>
+            </a:r>
+            <a:r>
+              <a:rPr lang="en-US" dirty="0"/>
+              <a:t>&lt;</a:t>
+            </a:r>
+            <a:r>
+              <a:rPr lang="en-US" dirty="0" err="1"/>
+              <a:t>TRequest</a:t>
+            </a:r>
+            <a:r>
+              <a:rPr lang="en-US" dirty="0"/>
+              <a:t>&gt;</a:t>
+            </a:r>
+          </a:p>
+          <a:p>
+            <a:r>
+              <a:rPr lang="en-US" dirty="0"/>
+              <a:t>Same service with no </a:t>
+            </a:r>
+            <a:r>
+              <a:rPr lang="en-US" dirty="0" err="1"/>
+              <a:t>config</a:t>
+            </a:r>
+            <a:r>
+              <a:rPr lang="en-US" dirty="0"/>
+              <a:t> or code-gen</a:t>
             </a:r>
           </a:p>
           <a:p>
             <a:pPr lvl="1"/>
             <a:r>
               <a:rPr lang="en-US" dirty="0"/>
-              <a:t>Links to XSDs and WSDLs</a:t>
-            </a:r>
-          </a:p>
-          <a:p>
-            <a:r>
-              <a:rPr lang="en-US" dirty="0"/>
-              <a:t>Auto HTML5 JSON Report format</a:t>
+              <a:t>Callable via REST, RPC POX/J or SOAP endpoints</a:t>
             </a:r>
           </a:p>
           <a:p>
             <a:pPr lvl="1"/>
             <a:r>
               <a:rPr lang="en-US" dirty="0"/>
-              <a:t>Quickly visualize web service data at a glance</a:t>
-            </a:r>
+              <a:t>Callable on any format (XML, JSON, SOAP, JSV, CSV, HTML)</a:t>
+            </a:r>
+          </a:p>
+          <a:p>
+            <a:pPr lvl="2"/>
+            <a:r>
+              <a:rPr lang="en-US" dirty="0"/>
+              <a:t>via HTTP Accept: or ?format=type. JSONP with ?callback=</a:t>
+            </a:r>
+            <a:r>
+              <a:rPr lang="en-US" dirty="0" err="1"/>
+              <a:t>cb</a:t>
+            </a:r>
+            <a:endParaRPr lang="en-US" dirty="0"/>
           </a:p>
           <a:p>
             <a:pPr lvl="1"/>
             <a:r>
               <a:rPr lang="en-US" dirty="0"/>
-              <a:t>Generates a self-contained snapshot of web service data in a human-friendly and </a:t>
-            </a:r>
-            <a:r>
-              <a:rPr lang="en-US" dirty="0" smtClean="0"/>
-              <a:t>programmatically </a:t>
-            </a:r>
-            <a:r>
-              <a:rPr lang="en-US" dirty="0"/>
-              <a:t>accessible document</a:t>
-            </a:r>
-          </a:p>
-          <a:p>
-            <a:r>
-              <a:rPr lang="en-US" dirty="0"/>
-              <a:t>Auto CSV format </a:t>
+              <a:t>Can process HTTP File Upload multipart/form-data</a:t>
+            </a:r>
+          </a:p>
+          <a:p>
+            <a:r>
+              <a:rPr lang="en-US" dirty="0"/>
+              <a:t>Strong-typed Request DTO can be populated by:</a:t>
             </a:r>
           </a:p>
           <a:p>
             <a:pPr lvl="1"/>
             <a:r>
               <a:rPr lang="en-US" dirty="0"/>
-              <a:t>Picks best candidate property to serialize into CSV </a:t>
+              <a:t>HTTP GET </a:t>
             </a:r>
             <a:r>
               <a:rPr lang="en-US" dirty="0" err="1"/>
-              <a:t>resultset</a:t>
+              <a:t>QueryString</a:t>
+            </a:r>
+            <a:endParaRPr lang="en-US" dirty="0"/>
+          </a:p>
+          <a:p>
+            <a:pPr lvl="1"/>
+            <a:r>
+              <a:rPr lang="en-US" dirty="0"/>
+              <a:t>HTTP POST DTO Content-Type (i.e. XML, JSON, </a:t>
+            </a:r>
+            <a:r>
+              <a:rPr lang="en-US" dirty="0" err="1"/>
+              <a:t>etc</a:t>
+            </a:r>
+            <a:r>
+              <a:rPr lang="en-US" dirty="0"/>
+              <a:t>)</a:t>
+            </a:r>
+          </a:p>
+          <a:p>
+            <a:pPr lvl="1"/>
+            <a:r>
+              <a:rPr lang="en-US" dirty="0"/>
+              <a:t>HTTP FORM POST x-www-form-</a:t>
+            </a:r>
+            <a:r>
+              <a:rPr lang="en-US" dirty="0" err="1"/>
+              <a:t>urlencoded</a:t>
+            </a:r>
+            <a:r>
+              <a:rPr lang="en-US" dirty="0"/>
+              <a:t> </a:t>
+            </a:r>
+          </a:p>
+          <a:p>
+            <a:r>
+              <a:rPr lang="en-US" dirty="0"/>
+              <a:t>Can return any of:</a:t>
+            </a:r>
+          </a:p>
+          <a:p>
+            <a:pPr lvl="1"/>
+            <a:r>
+              <a:rPr lang="en-US" dirty="0"/>
+              <a:t>Any DTO object -&gt; serialized to Response Content-Type</a:t>
+            </a:r>
+          </a:p>
+          <a:p>
+            <a:pPr lvl="1"/>
+            <a:r>
+              <a:rPr lang="en-US" dirty="0" err="1"/>
+              <a:t>HttpResult</a:t>
+            </a:r>
+            <a:r>
+              <a:rPr lang="en-US" dirty="0"/>
+              <a:t>, </a:t>
+            </a:r>
+            <a:r>
+              <a:rPr lang="en-US" dirty="0" err="1"/>
+              <a:t>HttpError</a:t>
+            </a:r>
+            <a:r>
+              <a:rPr lang="en-US" dirty="0"/>
+              <a:t> for Customized HTTP response</a:t>
+            </a:r>
+          </a:p>
+          <a:p>
+            <a:pPr lvl="1"/>
+            <a:r>
+              <a:rPr lang="en-US" dirty="0"/>
+              <a:t>String</a:t>
+            </a:r>
+          </a:p>
+          <a:p>
+            <a:pPr lvl="1"/>
+            <a:r>
+              <a:rPr lang="en-US" dirty="0"/>
+              <a:t>Stream</a:t>
+            </a:r>
+          </a:p>
+          <a:p>
+            <a:pPr lvl="1"/>
+            <a:r>
+              <a:rPr lang="en-US" dirty="0" err="1" smtClean="0"/>
+              <a:t>IStreamWriter</a:t>
             </a:r>
             <a:endParaRPr lang="en-US" dirty="0"/>
           </a:p>
@@ -8534,7 +8896,7 @@
     </p:spTree>
     <p:extLst>
       <p:ext uri="{BB962C8B-B14F-4D97-AF65-F5344CB8AC3E}">
-        <p14:creationId xmlns:p14="http://schemas.microsoft.com/office/powerpoint/2010/main" val="3586797453"/>
+        <p14:creationId xmlns:p14="http://schemas.microsoft.com/office/powerpoint/2010/main" val="1210378051"/>
       </p:ext>
     </p:extLst>
   </p:cSld>
